--- a/course/course-for-emc.pptx
+++ b/course/course-for-emc.pptx
@@ -5,17 +5,19 @@
     <p:sldMasterId id="2147483660" r:id="rId1"/>
   </p:sldMasterIdLst>
   <p:notesMasterIdLst>
-    <p:notesMasterId r:id="rId7"/>
+    <p:notesMasterId r:id="rId9"/>
   </p:notesMasterIdLst>
   <p:handoutMasterIdLst>
-    <p:handoutMasterId r:id="rId8"/>
+    <p:handoutMasterId r:id="rId10"/>
   </p:handoutMasterIdLst>
   <p:sldIdLst>
     <p:sldId id="273" r:id="rId2"/>
     <p:sldId id="274" r:id="rId3"/>
     <p:sldId id="275" r:id="rId4"/>
     <p:sldId id="276" r:id="rId5"/>
-    <p:sldId id="277" r:id="rId6"/>
+    <p:sldId id="279" r:id="rId6"/>
+    <p:sldId id="278" r:id="rId7"/>
+    <p:sldId id="277" r:id="rId8"/>
   </p:sldIdLst>
   <p:sldSz cx="12192000" cy="6858000"/>
   <p:notesSz cx="6858000" cy="9144000"/>
@@ -123,6 +125,8 @@
             <p14:sldId id="274"/>
             <p14:sldId id="275"/>
             <p14:sldId id="276"/>
+            <p14:sldId id="279"/>
+            <p14:sldId id="278"/>
             <p14:sldId id="277"/>
           </p14:sldIdLst>
         </p14:section>
@@ -255,7 +259,7 @@
                 <a:latin typeface="Microsoft YaHei UI" panose="020B0503020204020204" pitchFamily="34" charset="-122"/>
                 <a:ea typeface="Microsoft YaHei UI" panose="020B0503020204020204" pitchFamily="34" charset="-122"/>
               </a:rPr>
-              <a:t>2022年2月11日 Friday</a:t>
+              <a:t>2022年3月2日 Wednesday</a:t>
             </a:fld>
             <a:endParaRPr lang="zh-CN" altLang="en-US" dirty="0">
               <a:latin typeface="Microsoft YaHei UI" panose="020B0503020204020204" pitchFamily="34" charset="-122"/>
@@ -452,7 +456,7 @@
             <a:fld id="{70747F27-0AFF-49DE-ABD2-AA502995B8AE}" type="datetime2">
               <a:rPr lang="zh-CN" altLang="en-US" smtClean="0"/>
               <a:pPr/>
-              <a:t>2022年2月11日 Friday</a:t>
+              <a:t>2022年3月2日 Wednesday</a:t>
             </a:fld>
             <a:endParaRPr lang="en-US" dirty="0"/>
           </a:p>
@@ -863,7 +867,7 @@
           <a:bodyPr/>
           <a:lstStyle/>
           <a:p>
-            <a:endParaRPr kumimoji="1" lang="zh-CN" altLang="en-US" dirty="0"/>
+            <a:endParaRPr kumimoji="1" lang="zh-CN" altLang="en-US"/>
           </a:p>
         </p:txBody>
       </p:sp>
@@ -885,7 +889,347 @@
             <a:fld id="{DF61EA0F-A667-4B49-8422-0062BC55E249}" type="slidenum">
               <a:rPr lang="en-US" smtClean="0"/>
               <a:pPr/>
+              <a:t>2</a:t>
+            </a:fld>
+            <a:endParaRPr lang="en-US" dirty="0"/>
+          </a:p>
+        </p:txBody>
+      </p:sp>
+    </p:spTree>
+    <p:extLst>
+      <p:ext uri="{BB962C8B-B14F-4D97-AF65-F5344CB8AC3E}">
+        <p14:creationId xmlns:p14="http://schemas.microsoft.com/office/powerpoint/2010/main" val="1283862034"/>
+      </p:ext>
+    </p:extLst>
+  </p:cSld>
+  <p:clrMapOvr>
+    <a:masterClrMapping/>
+  </p:clrMapOvr>
+</p:notes>
+</file>
+
+<file path=ppt/notesSlides/notesSlide3.xml><?xml version="1.0" encoding="utf-8"?>
+<p:notes xmlns:a="http://schemas.openxmlformats.org/drawingml/2006/main" xmlns:r="http://schemas.openxmlformats.org/officeDocument/2006/relationships" xmlns:p="http://schemas.openxmlformats.org/presentationml/2006/main">
+  <p:cSld>
+    <p:spTree>
+      <p:nvGrpSpPr>
+        <p:cNvPr id="1" name=""/>
+        <p:cNvGrpSpPr/>
+        <p:nvPr/>
+      </p:nvGrpSpPr>
+      <p:grpSpPr>
+        <a:xfrm>
+          <a:off x="0" y="0"/>
+          <a:ext cx="0" cy="0"/>
+          <a:chOff x="0" y="0"/>
+          <a:chExt cx="0" cy="0"/>
+        </a:xfrm>
+      </p:grpSpPr>
+      <p:sp>
+        <p:nvSpPr>
+          <p:cNvPr id="2" name="幻灯片图像占位符 1"/>
+          <p:cNvSpPr>
+            <a:spLocks noGrp="1" noRot="1" noChangeAspect="1"/>
+          </p:cNvSpPr>
+          <p:nvPr>
+            <p:ph type="sldImg"/>
+          </p:nvPr>
+        </p:nvSpPr>
+        <p:spPr/>
+      </p:sp>
+      <p:sp>
+        <p:nvSpPr>
+          <p:cNvPr id="3" name="备注占位符 2"/>
+          <p:cNvSpPr>
+            <a:spLocks noGrp="1"/>
+          </p:cNvSpPr>
+          <p:nvPr>
+            <p:ph type="body" idx="1"/>
+          </p:nvPr>
+        </p:nvSpPr>
+        <p:spPr/>
+        <p:txBody>
+          <a:bodyPr/>
+          <a:lstStyle/>
+          <a:p>
+            <a:endParaRPr kumimoji="1" lang="zh-CN" altLang="en-US"/>
+          </a:p>
+        </p:txBody>
+      </p:sp>
+      <p:sp>
+        <p:nvSpPr>
+          <p:cNvPr id="4" name="灯片编号占位符 3"/>
+          <p:cNvSpPr>
+            <a:spLocks noGrp="1"/>
+          </p:cNvSpPr>
+          <p:nvPr>
+            <p:ph type="sldNum" sz="quarter" idx="5"/>
+          </p:nvPr>
+        </p:nvSpPr>
+        <p:spPr/>
+        <p:txBody>
+          <a:bodyPr/>
+          <a:lstStyle/>
+          <a:p>
+            <a:fld id="{DF61EA0F-A667-4B49-8422-0062BC55E249}" type="slidenum">
+              <a:rPr lang="en-US" smtClean="0"/>
+              <a:pPr/>
+              <a:t>3</a:t>
+            </a:fld>
+            <a:endParaRPr lang="en-US" dirty="0"/>
+          </a:p>
+        </p:txBody>
+      </p:sp>
+    </p:spTree>
+    <p:extLst>
+      <p:ext uri="{BB962C8B-B14F-4D97-AF65-F5344CB8AC3E}">
+        <p14:creationId xmlns:p14="http://schemas.microsoft.com/office/powerpoint/2010/main" val="2643429342"/>
+      </p:ext>
+    </p:extLst>
+  </p:cSld>
+  <p:clrMapOvr>
+    <a:masterClrMapping/>
+  </p:clrMapOvr>
+</p:notes>
+</file>
+
+<file path=ppt/notesSlides/notesSlide4.xml><?xml version="1.0" encoding="utf-8"?>
+<p:notes xmlns:a="http://schemas.openxmlformats.org/drawingml/2006/main" xmlns:r="http://schemas.openxmlformats.org/officeDocument/2006/relationships" xmlns:p="http://schemas.openxmlformats.org/presentationml/2006/main">
+  <p:cSld>
+    <p:spTree>
+      <p:nvGrpSpPr>
+        <p:cNvPr id="1" name=""/>
+        <p:cNvGrpSpPr/>
+        <p:nvPr/>
+      </p:nvGrpSpPr>
+      <p:grpSpPr>
+        <a:xfrm>
+          <a:off x="0" y="0"/>
+          <a:ext cx="0" cy="0"/>
+          <a:chOff x="0" y="0"/>
+          <a:chExt cx="0" cy="0"/>
+        </a:xfrm>
+      </p:grpSpPr>
+      <p:sp>
+        <p:nvSpPr>
+          <p:cNvPr id="2" name="幻灯片图像占位符 1"/>
+          <p:cNvSpPr>
+            <a:spLocks noGrp="1" noRot="1" noChangeAspect="1"/>
+          </p:cNvSpPr>
+          <p:nvPr>
+            <p:ph type="sldImg"/>
+          </p:nvPr>
+        </p:nvSpPr>
+        <p:spPr/>
+      </p:sp>
+      <p:sp>
+        <p:nvSpPr>
+          <p:cNvPr id="3" name="备注占位符 2"/>
+          <p:cNvSpPr>
+            <a:spLocks noGrp="1"/>
+          </p:cNvSpPr>
+          <p:nvPr>
+            <p:ph type="body" idx="1"/>
+          </p:nvPr>
+        </p:nvSpPr>
+        <p:spPr/>
+        <p:txBody>
+          <a:bodyPr/>
+          <a:lstStyle/>
+          <a:p>
+            <a:endParaRPr kumimoji="1" lang="zh-CN" altLang="en-US"/>
+          </a:p>
+        </p:txBody>
+      </p:sp>
+      <p:sp>
+        <p:nvSpPr>
+          <p:cNvPr id="4" name="灯片编号占位符 3"/>
+          <p:cNvSpPr>
+            <a:spLocks noGrp="1"/>
+          </p:cNvSpPr>
+          <p:nvPr>
+            <p:ph type="sldNum" sz="quarter" idx="5"/>
+          </p:nvPr>
+        </p:nvSpPr>
+        <p:spPr/>
+        <p:txBody>
+          <a:bodyPr/>
+          <a:lstStyle/>
+          <a:p>
+            <a:fld id="{DF61EA0F-A667-4B49-8422-0062BC55E249}" type="slidenum">
+              <a:rPr lang="en-US" smtClean="0"/>
+              <a:pPr/>
+              <a:t>4</a:t>
+            </a:fld>
+            <a:endParaRPr lang="en-US" dirty="0"/>
+          </a:p>
+        </p:txBody>
+      </p:sp>
+    </p:spTree>
+    <p:extLst>
+      <p:ext uri="{BB962C8B-B14F-4D97-AF65-F5344CB8AC3E}">
+        <p14:creationId xmlns:p14="http://schemas.microsoft.com/office/powerpoint/2010/main" val="171366715"/>
+      </p:ext>
+    </p:extLst>
+  </p:cSld>
+  <p:clrMapOvr>
+    <a:masterClrMapping/>
+  </p:clrMapOvr>
+</p:notes>
+</file>
+
+<file path=ppt/notesSlides/notesSlide5.xml><?xml version="1.0" encoding="utf-8"?>
+<p:notes xmlns:a="http://schemas.openxmlformats.org/drawingml/2006/main" xmlns:r="http://schemas.openxmlformats.org/officeDocument/2006/relationships" xmlns:p="http://schemas.openxmlformats.org/presentationml/2006/main">
+  <p:cSld>
+    <p:spTree>
+      <p:nvGrpSpPr>
+        <p:cNvPr id="1" name=""/>
+        <p:cNvGrpSpPr/>
+        <p:nvPr/>
+      </p:nvGrpSpPr>
+      <p:grpSpPr>
+        <a:xfrm>
+          <a:off x="0" y="0"/>
+          <a:ext cx="0" cy="0"/>
+          <a:chOff x="0" y="0"/>
+          <a:chExt cx="0" cy="0"/>
+        </a:xfrm>
+      </p:grpSpPr>
+      <p:sp>
+        <p:nvSpPr>
+          <p:cNvPr id="2" name="幻灯片图像占位符 1"/>
+          <p:cNvSpPr>
+            <a:spLocks noGrp="1" noRot="1" noChangeAspect="1"/>
+          </p:cNvSpPr>
+          <p:nvPr>
+            <p:ph type="sldImg"/>
+          </p:nvPr>
+        </p:nvSpPr>
+        <p:spPr/>
+      </p:sp>
+      <p:sp>
+        <p:nvSpPr>
+          <p:cNvPr id="3" name="备注占位符 2"/>
+          <p:cNvSpPr>
+            <a:spLocks noGrp="1"/>
+          </p:cNvSpPr>
+          <p:nvPr>
+            <p:ph type="body" idx="1"/>
+          </p:nvPr>
+        </p:nvSpPr>
+        <p:spPr/>
+        <p:txBody>
+          <a:bodyPr/>
+          <a:lstStyle/>
+          <a:p>
+            <a:endParaRPr kumimoji="1" lang="zh-CN" altLang="en-US"/>
+          </a:p>
+        </p:txBody>
+      </p:sp>
+      <p:sp>
+        <p:nvSpPr>
+          <p:cNvPr id="4" name="灯片编号占位符 3"/>
+          <p:cNvSpPr>
+            <a:spLocks noGrp="1"/>
+          </p:cNvSpPr>
+          <p:nvPr>
+            <p:ph type="sldNum" sz="quarter" idx="5"/>
+          </p:nvPr>
+        </p:nvSpPr>
+        <p:spPr/>
+        <p:txBody>
+          <a:bodyPr/>
+          <a:lstStyle/>
+          <a:p>
+            <a:fld id="{DF61EA0F-A667-4B49-8422-0062BC55E249}" type="slidenum">
+              <a:rPr lang="en-US" smtClean="0"/>
+              <a:pPr/>
               <a:t>5</a:t>
+            </a:fld>
+            <a:endParaRPr lang="en-US" dirty="0"/>
+          </a:p>
+        </p:txBody>
+      </p:sp>
+    </p:spTree>
+    <p:extLst>
+      <p:ext uri="{BB962C8B-B14F-4D97-AF65-F5344CB8AC3E}">
+        <p14:creationId xmlns:p14="http://schemas.microsoft.com/office/powerpoint/2010/main" val="2310134390"/>
+      </p:ext>
+    </p:extLst>
+  </p:cSld>
+  <p:clrMapOvr>
+    <a:masterClrMapping/>
+  </p:clrMapOvr>
+</p:notes>
+</file>
+
+<file path=ppt/notesSlides/notesSlide6.xml><?xml version="1.0" encoding="utf-8"?>
+<p:notes xmlns:a="http://schemas.openxmlformats.org/drawingml/2006/main" xmlns:r="http://schemas.openxmlformats.org/officeDocument/2006/relationships" xmlns:p="http://schemas.openxmlformats.org/presentationml/2006/main">
+  <p:cSld>
+    <p:spTree>
+      <p:nvGrpSpPr>
+        <p:cNvPr id="1" name=""/>
+        <p:cNvGrpSpPr/>
+        <p:nvPr/>
+      </p:nvGrpSpPr>
+      <p:grpSpPr>
+        <a:xfrm>
+          <a:off x="0" y="0"/>
+          <a:ext cx="0" cy="0"/>
+          <a:chOff x="0" y="0"/>
+          <a:chExt cx="0" cy="0"/>
+        </a:xfrm>
+      </p:grpSpPr>
+      <p:sp>
+        <p:nvSpPr>
+          <p:cNvPr id="2" name="幻灯片图像占位符 1"/>
+          <p:cNvSpPr>
+            <a:spLocks noGrp="1" noRot="1" noChangeAspect="1"/>
+          </p:cNvSpPr>
+          <p:nvPr>
+            <p:ph type="sldImg"/>
+          </p:nvPr>
+        </p:nvSpPr>
+        <p:spPr/>
+      </p:sp>
+      <p:sp>
+        <p:nvSpPr>
+          <p:cNvPr id="3" name="备注占位符 2"/>
+          <p:cNvSpPr>
+            <a:spLocks noGrp="1"/>
+          </p:cNvSpPr>
+          <p:nvPr>
+            <p:ph type="body" idx="1"/>
+          </p:nvPr>
+        </p:nvSpPr>
+        <p:spPr/>
+        <p:txBody>
+          <a:bodyPr/>
+          <a:lstStyle/>
+          <a:p>
+            <a:endParaRPr kumimoji="1" lang="zh-CN" altLang="en-US" dirty="0"/>
+          </a:p>
+        </p:txBody>
+      </p:sp>
+      <p:sp>
+        <p:nvSpPr>
+          <p:cNvPr id="4" name="灯片编号占位符 3"/>
+          <p:cNvSpPr>
+            <a:spLocks noGrp="1"/>
+          </p:cNvSpPr>
+          <p:nvPr>
+            <p:ph type="sldNum" sz="quarter" idx="5"/>
+          </p:nvPr>
+        </p:nvSpPr>
+        <p:spPr/>
+        <p:txBody>
+          <a:bodyPr/>
+          <a:lstStyle/>
+          <a:p>
+            <a:fld id="{DF61EA0F-A667-4B49-8422-0062BC55E249}" type="slidenum">
+              <a:rPr lang="en-US" smtClean="0"/>
+              <a:pPr/>
+              <a:t>7</a:t>
             </a:fld>
             <a:endParaRPr lang="en-US" dirty="0"/>
           </a:p>
@@ -1277,7 +1621,7 @@
             <a:fld id="{94B3CDE5-BC73-4849-8D92-CB00948283D7}" type="datetime2">
               <a:rPr lang="zh-CN" altLang="en-US" smtClean="0"/>
               <a:pPr/>
-              <a:t>2022年2月11日 Friday</a:t>
+              <a:t>2022年3月2日 Wednesday</a:t>
             </a:fld>
             <a:endParaRPr lang="en-US"/>
           </a:p>
@@ -1520,7 +1864,7 @@
             <a:fld id="{131E3292-D461-4042-A5EB-629C7A8279A7}" type="datetime2">
               <a:rPr lang="zh-CN" altLang="en-US" smtClean="0"/>
               <a:pPr/>
-              <a:t>2022年2月11日 Friday</a:t>
+              <a:t>2022年3月2日 Wednesday</a:t>
             </a:fld>
             <a:endParaRPr lang="zh-CN" altLang="en-US" dirty="0"/>
           </a:p>
@@ -1951,15 +2295,14 @@
           </a:bodyPr>
           <a:lstStyle/>
           <a:p>
-            <a:pPr rtl="0"/>
-            <a:r>
-              <a:rPr lang="zh-CN" altLang="en-US" sz="4600" dirty="0">
+            <a:r>
+              <a:rPr lang="en-US" altLang="zh-CN" sz="4800" dirty="0">
                 <a:solidFill>
                   <a:schemeClr val="bg1"/>
                 </a:solidFill>
                 <a:cs typeface="Arial" panose="020B0604020202020204" pitchFamily="34" charset="0"/>
               </a:rPr>
-              <a:t>舒先</a:t>
+              <a:t>Printfcoder</a:t>
             </a:r>
             <a:endParaRPr lang="zh-cn" sz="4600" dirty="0">
               <a:solidFill>
@@ -1982,8 +2325,8 @@
         </p:nvSpPr>
         <p:spPr>
           <a:xfrm>
-            <a:off x="828726" y="2551289"/>
-            <a:ext cx="9582736" cy="1515672"/>
+            <a:off x="828726" y="5554133"/>
+            <a:ext cx="9582736" cy="519289"/>
           </a:xfrm>
         </p:spPr>
         <p:txBody>
@@ -1991,28 +2334,6 @@
             <a:normAutofit/>
           </a:bodyPr>
           <a:lstStyle/>
-          <a:p>
-            <a:pPr marL="0" indent="0" rtl="0">
-              <a:buNone/>
-            </a:pPr>
-            <a:endParaRPr lang="en-US" altLang="zh-CN" sz="2400" dirty="0">
-              <a:solidFill>
-                <a:schemeClr val="bg1"/>
-              </a:solidFill>
-              <a:cs typeface="Arial" panose="020B0604020202020204" pitchFamily="34" charset="0"/>
-            </a:endParaRPr>
-          </a:p>
-          <a:p>
-            <a:pPr marL="0" indent="0" rtl="0">
-              <a:buNone/>
-            </a:pPr>
-            <a:endParaRPr lang="en-US" altLang="zh-CN" sz="2400" dirty="0">
-              <a:solidFill>
-                <a:schemeClr val="bg1"/>
-              </a:solidFill>
-              <a:cs typeface="Arial" panose="020B0604020202020204" pitchFamily="34" charset="0"/>
-            </a:endParaRPr>
-          </a:p>
           <a:p>
             <a:pPr marL="0" indent="0" rtl="0">
               <a:buNone/>
@@ -2588,6 +2909,282 @@
       </p:grpSpPr>
       <p:sp>
         <p:nvSpPr>
+          <p:cNvPr id="3" name="内容占位符 2">
+            <a:extLst>
+              <a:ext uri="{FF2B5EF4-FFF2-40B4-BE49-F238E27FC236}">
+                <a16:creationId xmlns:a16="http://schemas.microsoft.com/office/drawing/2014/main" id="{CF65384D-8157-4840-A632-978BEDA85BCE}"/>
+              </a:ext>
+            </a:extLst>
+          </p:cNvPr>
+          <p:cNvSpPr>
+            <a:spLocks noGrp="1"/>
+          </p:cNvSpPr>
+          <p:nvPr>
+            <p:ph idx="1"/>
+          </p:nvPr>
+        </p:nvSpPr>
+        <p:spPr>
+          <a:xfrm>
+            <a:off x="838201" y="1825625"/>
+            <a:ext cx="9924534" cy="4351338"/>
+          </a:xfrm>
+        </p:spPr>
+        <p:txBody>
+          <a:bodyPr/>
+          <a:lstStyle/>
+          <a:p>
+            <a:pPr marL="342900" indent="-342900">
+              <a:buAutoNum type="arabicPeriod"/>
+            </a:pPr>
+            <a:r>
+              <a:rPr kumimoji="1" lang="zh-CN" altLang="en-US" dirty="0"/>
+              <a:t>下载程序包</a:t>
+            </a:r>
+            <a:endParaRPr kumimoji="1" lang="en-US" altLang="zh-CN" dirty="0"/>
+          </a:p>
+          <a:p>
+            <a:pPr marL="342900" indent="-342900">
+              <a:buAutoNum type="arabicPeriod"/>
+            </a:pPr>
+            <a:r>
+              <a:rPr kumimoji="1" lang="zh-CN" altLang="en-US" dirty="0"/>
+              <a:t>配置开发环境</a:t>
+            </a:r>
+            <a:endParaRPr kumimoji="1" lang="en-US" altLang="zh-CN" dirty="0"/>
+          </a:p>
+          <a:p>
+            <a:pPr marL="342900" indent="-342900">
+              <a:buAutoNum type="arabicPeriod"/>
+            </a:pPr>
+            <a:r>
+              <a:rPr kumimoji="1" lang="en-US" altLang="zh-CN" dirty="0"/>
+              <a:t>go</a:t>
+            </a:r>
+            <a:r>
+              <a:rPr kumimoji="1" lang="zh-CN" altLang="en-US" dirty="0"/>
+              <a:t> </a:t>
+            </a:r>
+            <a:r>
+              <a:rPr kumimoji="1" lang="en-US" altLang="zh-CN" dirty="0"/>
+              <a:t>path OR</a:t>
+            </a:r>
+            <a:r>
+              <a:rPr kumimoji="1" lang="zh-CN" altLang="en-US" dirty="0"/>
+              <a:t> </a:t>
+            </a:r>
+            <a:r>
+              <a:rPr kumimoji="1" lang="en-US" altLang="zh-CN" dirty="0"/>
+              <a:t>go</a:t>
+            </a:r>
+            <a:r>
+              <a:rPr kumimoji="1" lang="zh-CN" altLang="en-US" dirty="0"/>
+              <a:t> </a:t>
+            </a:r>
+            <a:r>
+              <a:rPr kumimoji="1" lang="en-US" altLang="zh-CN"/>
+              <a:t>mod</a:t>
+            </a:r>
+            <a:endParaRPr kumimoji="1" lang="en-US" altLang="zh-CN" dirty="0"/>
+          </a:p>
+          <a:p>
+            <a:pPr marL="342900" indent="-342900">
+              <a:buAutoNum type="arabicPeriod"/>
+            </a:pPr>
+            <a:r>
+              <a:rPr kumimoji="1" lang="zh-CN" altLang="en-US" dirty="0"/>
+              <a:t>统一的代码风格</a:t>
+            </a:r>
+          </a:p>
+        </p:txBody>
+      </p:sp>
+      <p:sp>
+        <p:nvSpPr>
+          <p:cNvPr id="4" name="标题 1">
+            <a:extLst>
+              <a:ext uri="{FF2B5EF4-FFF2-40B4-BE49-F238E27FC236}">
+                <a16:creationId xmlns:a16="http://schemas.microsoft.com/office/drawing/2014/main" id="{EC31CCD4-4FB6-814F-B629-556B02DEA54E}"/>
+              </a:ext>
+            </a:extLst>
+          </p:cNvPr>
+          <p:cNvSpPr>
+            <a:spLocks noGrp="1"/>
+          </p:cNvSpPr>
+          <p:nvPr>
+            <p:ph type="title"/>
+          </p:nvPr>
+        </p:nvSpPr>
+        <p:spPr>
+          <a:xfrm>
+            <a:off x="604434" y="0"/>
+            <a:ext cx="4894323" cy="1208868"/>
+          </a:xfrm>
+        </p:spPr>
+        <p:txBody>
+          <a:bodyPr/>
+          <a:lstStyle/>
+          <a:p>
+            <a:r>
+              <a:rPr kumimoji="1" lang="en-US" altLang="zh-CN" dirty="0"/>
+              <a:t>Go</a:t>
+            </a:r>
+            <a:r>
+              <a:rPr kumimoji="1" lang="zh-CN" altLang="en-US" dirty="0"/>
+              <a:t> 简要入门</a:t>
+            </a:r>
+          </a:p>
+        </p:txBody>
+      </p:sp>
+      <p:sp>
+        <p:nvSpPr>
+          <p:cNvPr id="5" name="文本框 4">
+            <a:extLst>
+              <a:ext uri="{FF2B5EF4-FFF2-40B4-BE49-F238E27FC236}">
+                <a16:creationId xmlns:a16="http://schemas.microsoft.com/office/drawing/2014/main" id="{8CE28C50-8EB7-B943-BE4C-624B58511C64}"/>
+              </a:ext>
+            </a:extLst>
+          </p:cNvPr>
+          <p:cNvSpPr txBox="1"/>
+          <p:nvPr/>
+        </p:nvSpPr>
+        <p:spPr>
+          <a:xfrm>
+            <a:off x="10416746" y="839536"/>
+            <a:ext cx="1556836" cy="369332"/>
+          </a:xfrm>
+          <a:prstGeom prst="rect">
+            <a:avLst/>
+          </a:prstGeom>
+          <a:noFill/>
+        </p:spPr>
+        <p:txBody>
+          <a:bodyPr wrap="none" rtlCol="0">
+            <a:spAutoFit/>
+          </a:bodyPr>
+          <a:lstStyle/>
+          <a:p>
+            <a:r>
+              <a:rPr kumimoji="1" lang="zh-CN" altLang="en-US" dirty="0">
+                <a:solidFill>
+                  <a:schemeClr val="bg1"/>
+                </a:solidFill>
+              </a:rPr>
+              <a:t>配置开发环境</a:t>
+            </a:r>
+          </a:p>
+        </p:txBody>
+      </p:sp>
+    </p:spTree>
+    <p:extLst>
+      <p:ext uri="{BB962C8B-B14F-4D97-AF65-F5344CB8AC3E}">
+        <p14:creationId xmlns:p14="http://schemas.microsoft.com/office/powerpoint/2010/main" val="1071396940"/>
+      </p:ext>
+    </p:extLst>
+  </p:cSld>
+  <p:clrMapOvr>
+    <a:masterClrMapping/>
+  </p:clrMapOvr>
+</p:sld>
+</file>
+
+<file path=ppt/slides/slide6.xml><?xml version="1.0" encoding="utf-8"?>
+<p:sld xmlns:a="http://schemas.openxmlformats.org/drawingml/2006/main" xmlns:r="http://schemas.openxmlformats.org/officeDocument/2006/relationships" xmlns:p="http://schemas.openxmlformats.org/presentationml/2006/main">
+  <p:cSld>
+    <p:spTree>
+      <p:nvGrpSpPr>
+        <p:cNvPr id="1" name=""/>
+        <p:cNvGrpSpPr/>
+        <p:nvPr/>
+      </p:nvGrpSpPr>
+      <p:grpSpPr>
+        <a:xfrm>
+          <a:off x="0" y="0"/>
+          <a:ext cx="0" cy="0"/>
+          <a:chOff x="0" y="0"/>
+          <a:chExt cx="0" cy="0"/>
+        </a:xfrm>
+      </p:grpSpPr>
+      <p:sp>
+        <p:nvSpPr>
+          <p:cNvPr id="2" name="标题 1">
+            <a:extLst>
+              <a:ext uri="{FF2B5EF4-FFF2-40B4-BE49-F238E27FC236}">
+                <a16:creationId xmlns:a16="http://schemas.microsoft.com/office/drawing/2014/main" id="{EB330093-7546-5349-90F0-64E59DF9422C}"/>
+              </a:ext>
+            </a:extLst>
+          </p:cNvPr>
+          <p:cNvSpPr>
+            <a:spLocks noGrp="1"/>
+          </p:cNvSpPr>
+          <p:nvPr>
+            <p:ph type="title"/>
+          </p:nvPr>
+        </p:nvSpPr>
+        <p:spPr/>
+        <p:txBody>
+          <a:bodyPr/>
+          <a:lstStyle/>
+          <a:p>
+            <a:endParaRPr kumimoji="1" lang="zh-CN" altLang="en-US"/>
+          </a:p>
+        </p:txBody>
+      </p:sp>
+      <p:sp>
+        <p:nvSpPr>
+          <p:cNvPr id="3" name="内容占位符 2">
+            <a:extLst>
+              <a:ext uri="{FF2B5EF4-FFF2-40B4-BE49-F238E27FC236}">
+                <a16:creationId xmlns:a16="http://schemas.microsoft.com/office/drawing/2014/main" id="{872C4995-FBAC-7648-B0B2-A8685F2B57D1}"/>
+              </a:ext>
+            </a:extLst>
+          </p:cNvPr>
+          <p:cNvSpPr>
+            <a:spLocks noGrp="1"/>
+          </p:cNvSpPr>
+          <p:nvPr>
+            <p:ph idx="1"/>
+          </p:nvPr>
+        </p:nvSpPr>
+        <p:spPr/>
+        <p:txBody>
+          <a:bodyPr/>
+          <a:lstStyle/>
+          <a:p>
+            <a:endParaRPr kumimoji="1" lang="zh-CN" altLang="en-US"/>
+          </a:p>
+        </p:txBody>
+      </p:sp>
+    </p:spTree>
+    <p:extLst>
+      <p:ext uri="{BB962C8B-B14F-4D97-AF65-F5344CB8AC3E}">
+        <p14:creationId xmlns:p14="http://schemas.microsoft.com/office/powerpoint/2010/main" val="3316075583"/>
+      </p:ext>
+    </p:extLst>
+  </p:cSld>
+  <p:clrMapOvr>
+    <a:masterClrMapping/>
+  </p:clrMapOvr>
+</p:sld>
+</file>
+
+<file path=ppt/slides/slide7.xml><?xml version="1.0" encoding="utf-8"?>
+<p:sld xmlns:a="http://schemas.openxmlformats.org/drawingml/2006/main" xmlns:r="http://schemas.openxmlformats.org/officeDocument/2006/relationships" xmlns:p="http://schemas.openxmlformats.org/presentationml/2006/main">
+  <p:cSld>
+    <p:spTree>
+      <p:nvGrpSpPr>
+        <p:cNvPr id="1" name=""/>
+        <p:cNvGrpSpPr/>
+        <p:nvPr/>
+      </p:nvGrpSpPr>
+      <p:grpSpPr>
+        <a:xfrm>
+          <a:off x="0" y="0"/>
+          <a:ext cx="0" cy="0"/>
+          <a:chOff x="0" y="0"/>
+          <a:chExt cx="0" cy="0"/>
+        </a:xfrm>
+      </p:grpSpPr>
+      <p:sp>
+        <p:nvSpPr>
           <p:cNvPr id="2" name="标题 1">
             <a:extLst>
               <a:ext uri="{FF2B5EF4-FFF2-40B4-BE49-F238E27FC236}">
@@ -3949,7 +4546,7 @@
               <a:t>Wrapper</a:t>
             </a:r>
             <a:r>
-              <a:rPr lang="zh-CN" altLang="en-US" sz="900">
+              <a:rPr lang="zh-CN" altLang="en-US" sz="900" dirty="0">
                 <a:solidFill>
                   <a:srgbClr val="424242"/>
                 </a:solidFill>
